--- a/BTS 1er année/Anglais/Lord of War (movie)/lord of war.pptx
+++ b/BTS 1er année/Anglais/Lord of War (movie)/lord of war.pptx
@@ -7,6 +7,11 @@
   <p:sldIdLst>
     <p:sldId id="256" r:id="rId2"/>
     <p:sldId id="257" r:id="rId3"/>
+    <p:sldId id="258" r:id="rId4"/>
+    <p:sldId id="261" r:id="rId5"/>
+    <p:sldId id="264" r:id="rId6"/>
+    <p:sldId id="260" r:id="rId7"/>
+    <p:sldId id="263" r:id="rId8"/>
   </p:sldIdLst>
   <p:sldSz cx="12192000" cy="6858000"/>
   <p:notesSz cx="6858000" cy="9144000"/>
@@ -105,6 +110,11 @@
       </a:defRPr>
     </a:lvl9pPr>
   </p:defaultTextStyle>
+  <p:extLst>
+    <p:ext uri="{EFAFB233-063F-42B5-8137-9DF3F51BA10A}">
+      <p15:sldGuideLst xmlns:p15="http://schemas.microsoft.com/office/powerpoint/2012/main"/>
+    </p:ext>
+  </p:extLst>
 </p:presentation>
 </file>
 
@@ -277,7 +287,7 @@
           <a:p>
             <a:fld id="{C0ADD531-8CCB-4146-B1C1-B9484E2475C8}" type="datetimeFigureOut">
               <a:rPr lang="fr-FR" smtClean="0"/>
-              <a:t>17/10/2018</a:t>
+              <a:t>11/11/2018</a:t>
             </a:fld>
             <a:endParaRPr lang="fr-FR"/>
           </a:p>
@@ -607,7 +617,7 @@
           <a:p>
             <a:fld id="{C0ADD531-8CCB-4146-B1C1-B9484E2475C8}" type="datetimeFigureOut">
               <a:rPr lang="fr-FR" smtClean="0"/>
-              <a:t>17/10/2018</a:t>
+              <a:t>11/11/2018</a:t>
             </a:fld>
             <a:endParaRPr lang="fr-FR"/>
           </a:p>
@@ -787,7 +797,7 @@
           <a:p>
             <a:fld id="{C0ADD531-8CCB-4146-B1C1-B9484E2475C8}" type="datetimeFigureOut">
               <a:rPr lang="fr-FR" smtClean="0"/>
-              <a:t>17/10/2018</a:t>
+              <a:t>11/11/2018</a:t>
             </a:fld>
             <a:endParaRPr lang="fr-FR"/>
           </a:p>
@@ -957,7 +967,7 @@
           <a:p>
             <a:fld id="{C0ADD531-8CCB-4146-B1C1-B9484E2475C8}" type="datetimeFigureOut">
               <a:rPr lang="fr-FR" smtClean="0"/>
-              <a:t>17/10/2018</a:t>
+              <a:t>11/11/2018</a:t>
             </a:fld>
             <a:endParaRPr lang="fr-FR"/>
           </a:p>
@@ -1234,7 +1244,7 @@
           <a:p>
             <a:fld id="{C0ADD531-8CCB-4146-B1C1-B9484E2475C8}" type="datetimeFigureOut">
               <a:rPr lang="fr-FR" smtClean="0"/>
-              <a:t>17/10/2018</a:t>
+              <a:t>11/11/2018</a:t>
             </a:fld>
             <a:endParaRPr lang="fr-FR"/>
           </a:p>
@@ -1628,7 +1638,7 @@
           <a:p>
             <a:fld id="{C0ADD531-8CCB-4146-B1C1-B9484E2475C8}" type="datetimeFigureOut">
               <a:rPr lang="fr-FR" smtClean="0"/>
-              <a:t>17/10/2018</a:t>
+              <a:t>11/11/2018</a:t>
             </a:fld>
             <a:endParaRPr lang="fr-FR"/>
           </a:p>
@@ -2105,7 +2115,7 @@
           <a:p>
             <a:fld id="{C0ADD531-8CCB-4146-B1C1-B9484E2475C8}" type="datetimeFigureOut">
               <a:rPr lang="fr-FR" smtClean="0"/>
-              <a:t>17/10/2018</a:t>
+              <a:t>11/11/2018</a:t>
             </a:fld>
             <a:endParaRPr lang="fr-FR"/>
           </a:p>
@@ -2223,7 +2233,7 @@
           <a:p>
             <a:fld id="{C0ADD531-8CCB-4146-B1C1-B9484E2475C8}" type="datetimeFigureOut">
               <a:rPr lang="fr-FR" smtClean="0"/>
-              <a:t>17/10/2018</a:t>
+              <a:t>11/11/2018</a:t>
             </a:fld>
             <a:endParaRPr lang="fr-FR"/>
           </a:p>
@@ -2318,7 +2328,7 @@
           <a:p>
             <a:fld id="{C0ADD531-8CCB-4146-B1C1-B9484E2475C8}" type="datetimeFigureOut">
               <a:rPr lang="fr-FR" smtClean="0"/>
-              <a:t>17/10/2018</a:t>
+              <a:t>11/11/2018</a:t>
             </a:fld>
             <a:endParaRPr lang="fr-FR"/>
           </a:p>
@@ -2664,7 +2674,7 @@
           <a:p>
             <a:fld id="{C0ADD531-8CCB-4146-B1C1-B9484E2475C8}" type="datetimeFigureOut">
               <a:rPr lang="fr-FR" smtClean="0"/>
-              <a:t>17/10/2018</a:t>
+              <a:t>11/11/2018</a:t>
             </a:fld>
             <a:endParaRPr lang="fr-FR"/>
           </a:p>
@@ -3052,7 +3062,7 @@
           <a:p>
             <a:fld id="{C0ADD531-8CCB-4146-B1C1-B9484E2475C8}" type="datetimeFigureOut">
               <a:rPr lang="fr-FR" smtClean="0"/>
-              <a:t>17/10/2018</a:t>
+              <a:t>11/11/2018</a:t>
             </a:fld>
             <a:endParaRPr lang="fr-FR"/>
           </a:p>
@@ -3330,7 +3340,7 @@
           <a:p>
             <a:fld id="{C0ADD531-8CCB-4146-B1C1-B9484E2475C8}" type="datetimeFigureOut">
               <a:rPr lang="fr-FR" smtClean="0"/>
-              <a:t>17/10/2018</a:t>
+              <a:t>11/11/2018</a:t>
             </a:fld>
             <a:endParaRPr lang="fr-FR"/>
           </a:p>
@@ -3842,6 +3852,53 @@
           <a:chExt cx="0" cy="0"/>
         </a:xfrm>
       </p:grpSpPr>
+      <p:pic>
+        <p:nvPicPr>
+          <p:cNvPr id="1026" name="Picture 2" descr="Lord of War | Movie fanart | fanart.tv">
+            <a:extLst>
+              <a:ext uri="{FF2B5EF4-FFF2-40B4-BE49-F238E27FC236}">
+                <a16:creationId xmlns:a16="http://schemas.microsoft.com/office/drawing/2014/main" id="{368D2D27-31DE-4493-B4C1-A9DF4B71411E}"/>
+              </a:ext>
+            </a:extLst>
+          </p:cNvPr>
+          <p:cNvPicPr>
+            <a:picLocks noChangeAspect="1" noChangeArrowheads="1"/>
+          </p:cNvPicPr>
+          <p:nvPr/>
+        </p:nvPicPr>
+        <p:blipFill>
+          <a:blip r:embed="rId2">
+            <a:extLst>
+              <a:ext uri="{28A0092B-C50C-407E-A947-70E740481C1C}">
+                <a14:useLocalDpi xmlns:a14="http://schemas.microsoft.com/office/drawing/2010/main" val="0"/>
+              </a:ext>
+            </a:extLst>
+          </a:blip>
+          <a:srcRect/>
+          <a:stretch>
+            <a:fillRect/>
+          </a:stretch>
+        </p:blipFill>
+        <p:spPr bwMode="auto">
+          <a:xfrm>
+            <a:off x="1491083" y="430113"/>
+            <a:ext cx="9209834" cy="5175555"/>
+          </a:xfrm>
+          <a:prstGeom prst="rect">
+            <a:avLst/>
+          </a:prstGeom>
+          <a:noFill/>
+          <a:extLst>
+            <a:ext uri="{909E8E84-426E-40DD-AFC4-6F175D3DCCD1}">
+              <a14:hiddenFill xmlns:a14="http://schemas.microsoft.com/office/drawing/2010/main">
+                <a:solidFill>
+                  <a:srgbClr val="FFFFFF"/>
+                </a:solidFill>
+              </a14:hiddenFill>
+            </a:ext>
+          </a:extLst>
+        </p:spPr>
+      </p:pic>
     </p:spTree>
     <p:extLst>
       <p:ext uri="{BB962C8B-B14F-4D97-AF65-F5344CB8AC3E}">
@@ -3894,7 +3951,7 @@
           <a:lstStyle/>
           <a:p>
             <a:r>
-              <a:rPr lang="fr-FR" dirty="0"/>
+              <a:rPr lang="en-US" dirty="0"/>
               <a:t>Index</a:t>
             </a:r>
           </a:p>
@@ -3918,35 +3975,143 @@
         </p:nvSpPr>
         <p:spPr/>
         <p:txBody>
-          <a:bodyPr/>
+          <a:bodyPr>
+            <a:normAutofit fontScale="92500" lnSpcReduction="10000"/>
+          </a:bodyPr>
           <a:lstStyle/>
           <a:p>
             <a:r>
-              <a:rPr lang="fr-FR" dirty="0" err="1"/>
-              <a:t>Presentation</a:t>
-            </a:r>
-            <a:r>
-              <a:rPr lang="fr-FR" dirty="0"/>
-              <a:t> of the </a:t>
-            </a:r>
-            <a:r>
-              <a:rPr lang="fr-FR" dirty="0" err="1"/>
+              <a:rPr lang="en-US" dirty="0"/>
+              <a:t>Presentation of the movie</a:t>
+            </a:r>
+          </a:p>
+          <a:p>
+            <a:pPr lvl="1"/>
+            <a:r>
+              <a:rPr lang="en-US" dirty="0"/>
+              <a:t>Autor</a:t>
+            </a:r>
+          </a:p>
+          <a:p>
+            <a:pPr lvl="1"/>
+            <a:r>
+              <a:rPr lang="en-US" dirty="0"/>
+              <a:t>Time</a:t>
+            </a:r>
+          </a:p>
+          <a:p>
+            <a:pPr lvl="1"/>
+            <a:r>
+              <a:rPr lang="en-US" dirty="0"/>
+              <a:t>Some numbers</a:t>
+            </a:r>
+          </a:p>
+          <a:p>
+            <a:pPr lvl="1"/>
+            <a:r>
+              <a:rPr lang="en-US" dirty="0"/>
+              <a:t>Release date</a:t>
+            </a:r>
+          </a:p>
+          <a:p>
+            <a:pPr lvl="1"/>
+            <a:r>
+              <a:rPr lang="en-US" dirty="0"/>
+              <a:t>Warzone quote</a:t>
+            </a:r>
+          </a:p>
+          <a:p>
+            <a:pPr lvl="1"/>
+            <a:r>
+              <a:rPr lang="en-US" dirty="0"/>
+              <a:t>Different types of weapons</a:t>
+            </a:r>
+          </a:p>
+          <a:p>
+            <a:pPr marL="530352" lvl="1" indent="0">
+              <a:buNone/>
+            </a:pPr>
+            <a:endParaRPr lang="en-US" dirty="0"/>
+          </a:p>
+          <a:p>
+            <a:r>
+              <a:rPr lang="en-US" dirty="0"/>
+              <a:t>Main characters</a:t>
+            </a:r>
+          </a:p>
+          <a:p>
+            <a:r>
+              <a:rPr lang="en-US" dirty="0"/>
+              <a:t>The life of a bullet</a:t>
+            </a:r>
+          </a:p>
+          <a:p>
+            <a:pPr marL="0" indent="0">
+              <a:buNone/>
+            </a:pPr>
+            <a:endParaRPr lang="en-US" dirty="0"/>
+          </a:p>
+        </p:txBody>
+      </p:sp>
+      <p:sp>
+        <p:nvSpPr>
+          <p:cNvPr id="4" name="ZoneTexte 3">
+            <a:extLst>
+              <a:ext uri="{FF2B5EF4-FFF2-40B4-BE49-F238E27FC236}">
+                <a16:creationId xmlns:a16="http://schemas.microsoft.com/office/drawing/2014/main" id="{2E652FE6-1D40-4D50-BAEF-58A448F84CB5}"/>
+              </a:ext>
+            </a:extLst>
+          </p:cNvPr>
+          <p:cNvSpPr txBox="1"/>
+          <p:nvPr/>
+        </p:nvSpPr>
+        <p:spPr>
+          <a:xfrm>
+            <a:off x="1868556" y="1674852"/>
+            <a:ext cx="3165482" cy="369332"/>
+          </a:xfrm>
+          <a:prstGeom prst="rect">
+            <a:avLst/>
+          </a:prstGeom>
+          <a:noFill/>
+        </p:spPr>
+        <p:txBody>
+          <a:bodyPr wrap="none" rtlCol="0">
+            <a:spAutoFit/>
+          </a:bodyPr>
+          <a:lstStyle/>
+          <a:p>
+            <a:r>
+              <a:rPr lang="fr-FR" b="1" dirty="0" err="1"/>
+              <a:t>What</a:t>
+            </a:r>
+            <a:r>
+              <a:rPr lang="fr-FR" b="1" dirty="0"/>
+              <a:t> </a:t>
+            </a:r>
+            <a:r>
+              <a:rPr lang="fr-FR" b="1" dirty="0" err="1"/>
+              <a:t>is</a:t>
+            </a:r>
+            <a:r>
+              <a:rPr lang="fr-FR" b="1" dirty="0"/>
+              <a:t> the goal of </a:t>
+            </a:r>
+            <a:r>
+              <a:rPr lang="fr-FR" b="1" dirty="0" err="1"/>
+              <a:t>this</a:t>
+            </a:r>
+            <a:r>
+              <a:rPr lang="fr-FR" b="1" dirty="0"/>
+              <a:t> </a:t>
+            </a:r>
+            <a:r>
+              <a:rPr lang="fr-FR" b="1" dirty="0" err="1"/>
               <a:t>movie</a:t>
             </a:r>
-            <a:endParaRPr lang="fr-FR" dirty="0"/>
-          </a:p>
-          <a:p>
-            <a:r>
-              <a:rPr lang="fr-FR" dirty="0"/>
-              <a:t>The life of a </a:t>
-            </a:r>
-            <a:r>
-              <a:rPr lang="fr-FR" dirty="0" err="1"/>
-              <a:t>bullet</a:t>
-            </a:r>
-            <a:r>
-              <a:rPr lang="fr-FR" dirty="0"/>
-              <a:t> (</a:t>
+            <a:r>
+              <a:rPr lang="fr-FR" b="1" dirty="0"/>
+              <a:t>?</a:t>
             </a:r>
           </a:p>
         </p:txBody>
@@ -3955,6 +4120,1497 @@
     <p:extLst>
       <p:ext uri="{BB962C8B-B14F-4D97-AF65-F5344CB8AC3E}">
         <p14:creationId xmlns:p14="http://schemas.microsoft.com/office/powerpoint/2010/main" val="2005094799"/>
+      </p:ext>
+    </p:extLst>
+  </p:cSld>
+  <p:clrMapOvr>
+    <a:masterClrMapping/>
+  </p:clrMapOvr>
+</p:sld>
+</file>
+
+<file path=ppt/slides/slide3.xml><?xml version="1.0" encoding="utf-8"?>
+<p:sld xmlns:a="http://schemas.openxmlformats.org/drawingml/2006/main" xmlns:r="http://schemas.openxmlformats.org/officeDocument/2006/relationships" xmlns:p="http://schemas.openxmlformats.org/presentationml/2006/main">
+  <p:cSld>
+    <p:spTree>
+      <p:nvGrpSpPr>
+        <p:cNvPr id="1" name=""/>
+        <p:cNvGrpSpPr/>
+        <p:nvPr/>
+      </p:nvGrpSpPr>
+      <p:grpSpPr>
+        <a:xfrm>
+          <a:off x="0" y="0"/>
+          <a:ext cx="0" cy="0"/>
+          <a:chOff x="0" y="0"/>
+          <a:chExt cx="0" cy="0"/>
+        </a:xfrm>
+      </p:grpSpPr>
+      <p:sp>
+        <p:nvSpPr>
+          <p:cNvPr id="2" name="Titre 1">
+            <a:extLst>
+              <a:ext uri="{FF2B5EF4-FFF2-40B4-BE49-F238E27FC236}">
+                <a16:creationId xmlns:a16="http://schemas.microsoft.com/office/drawing/2014/main" id="{8B09C806-FBB3-4F20-B448-1863C74266D0}"/>
+              </a:ext>
+            </a:extLst>
+          </p:cNvPr>
+          <p:cNvSpPr>
+            <a:spLocks noGrp="1"/>
+          </p:cNvSpPr>
+          <p:nvPr>
+            <p:ph type="title"/>
+          </p:nvPr>
+        </p:nvSpPr>
+        <p:spPr>
+          <a:xfrm>
+            <a:off x="1159566" y="287407"/>
+            <a:ext cx="9601200" cy="1485900"/>
+          </a:xfrm>
+        </p:spPr>
+        <p:txBody>
+          <a:bodyPr/>
+          <a:lstStyle/>
+          <a:p>
+            <a:r>
+              <a:rPr lang="en-US" dirty="0"/>
+              <a:t>Presentation of « War Lord »</a:t>
+            </a:r>
+          </a:p>
+        </p:txBody>
+      </p:sp>
+      <p:sp>
+        <p:nvSpPr>
+          <p:cNvPr id="4" name="ZoneTexte 3">
+            <a:extLst>
+              <a:ext uri="{FF2B5EF4-FFF2-40B4-BE49-F238E27FC236}">
+                <a16:creationId xmlns:a16="http://schemas.microsoft.com/office/drawing/2014/main" id="{A4B04DC3-2C40-4D13-8D4D-9085C9B2D111}"/>
+              </a:ext>
+            </a:extLst>
+          </p:cNvPr>
+          <p:cNvSpPr txBox="1"/>
+          <p:nvPr/>
+        </p:nvSpPr>
+        <p:spPr>
+          <a:xfrm>
+            <a:off x="4943061" y="1114627"/>
+            <a:ext cx="6996659" cy="3139321"/>
+          </a:xfrm>
+          <a:prstGeom prst="rect">
+            <a:avLst/>
+          </a:prstGeom>
+          <a:noFill/>
+        </p:spPr>
+        <p:txBody>
+          <a:bodyPr wrap="none" rtlCol="0">
+            <a:spAutoFit/>
+          </a:bodyPr>
+          <a:lstStyle/>
+          <a:p>
+            <a:r>
+              <a:rPr lang="en-US" dirty="0"/>
+              <a:t>Release date - </a:t>
+            </a:r>
+            <a:r>
+              <a:rPr lang="en-US" dirty="0" err="1"/>
+              <a:t>Septembre</a:t>
+            </a:r>
+            <a:r>
+              <a:rPr lang="en-US" dirty="0"/>
+              <a:t> 16</a:t>
+            </a:r>
+            <a:r>
+              <a:rPr lang="en-US" baseline="30000" dirty="0"/>
+              <a:t>th</a:t>
+            </a:r>
+            <a:r>
+              <a:rPr lang="en-US" dirty="0"/>
+              <a:t> 2005 in USA</a:t>
+            </a:r>
+          </a:p>
+          <a:p>
+            <a:r>
+              <a:rPr lang="en-US" dirty="0"/>
+              <a:t>		       - January 4</a:t>
+            </a:r>
+            <a:r>
+              <a:rPr lang="en-US" baseline="30000" dirty="0"/>
+              <a:t>th</a:t>
+            </a:r>
+            <a:r>
+              <a:rPr lang="en-US" dirty="0"/>
+              <a:t> 2006 in France</a:t>
+            </a:r>
+          </a:p>
+          <a:p>
+            <a:r>
+              <a:rPr lang="en-US" dirty="0"/>
+              <a:t>		       - February 16</a:t>
+            </a:r>
+            <a:r>
+              <a:rPr lang="en-US" baseline="30000" dirty="0"/>
+              <a:t>th</a:t>
+            </a:r>
+            <a:r>
+              <a:rPr lang="en-US" dirty="0"/>
+              <a:t> 2006 in Germany</a:t>
+            </a:r>
+          </a:p>
+          <a:p>
+            <a:endParaRPr lang="en-US" dirty="0"/>
+          </a:p>
+          <a:p>
+            <a:r>
+              <a:rPr lang="en-US" dirty="0"/>
+              <a:t>Running time – 123 min</a:t>
+            </a:r>
+          </a:p>
+          <a:p>
+            <a:endParaRPr lang="en-US" dirty="0"/>
+          </a:p>
+          <a:p>
+            <a:r>
+              <a:rPr lang="en-US" dirty="0"/>
+              <a:t>Budget - $50 million</a:t>
+            </a:r>
+          </a:p>
+          <a:p>
+            <a:endParaRPr lang="en-US" dirty="0"/>
+          </a:p>
+          <a:p>
+            <a:r>
+              <a:rPr lang="en-US" dirty="0"/>
+              <a:t>Box office $72,6 million</a:t>
+            </a:r>
+          </a:p>
+          <a:p>
+            <a:endParaRPr lang="en-US" dirty="0"/>
+          </a:p>
+          <a:p>
+            <a:r>
+              <a:rPr lang="en-US" dirty="0"/>
+              <a:t>Warzones quoted: USA , south Africa, Russia name URSS, </a:t>
+            </a:r>
+            <a:r>
+              <a:rPr lang="en-US" dirty="0" err="1"/>
+              <a:t>liban</a:t>
+            </a:r>
+            <a:r>
+              <a:rPr lang="en-US" dirty="0"/>
+              <a:t>, </a:t>
+            </a:r>
+            <a:r>
+              <a:rPr lang="en-US" dirty="0" err="1"/>
+              <a:t>liberia</a:t>
+            </a:r>
+            <a:endParaRPr lang="en-US" dirty="0"/>
+          </a:p>
+        </p:txBody>
+      </p:sp>
+      <p:pic>
+        <p:nvPicPr>
+          <p:cNvPr id="1026" name="Picture 2" descr="Description de cette image, Ã©galement commentÃ©e ci-aprÃ¨s">
+            <a:extLst>
+              <a:ext uri="{FF2B5EF4-FFF2-40B4-BE49-F238E27FC236}">
+                <a16:creationId xmlns:a16="http://schemas.microsoft.com/office/drawing/2014/main" id="{597C2D71-CD23-4364-B263-63CDAEF18F25}"/>
+              </a:ext>
+            </a:extLst>
+          </p:cNvPr>
+          <p:cNvPicPr>
+            <a:picLocks noChangeAspect="1" noChangeArrowheads="1"/>
+          </p:cNvPicPr>
+          <p:nvPr/>
+        </p:nvPicPr>
+        <p:blipFill>
+          <a:blip r:embed="rId2">
+            <a:extLst>
+              <a:ext uri="{28A0092B-C50C-407E-A947-70E740481C1C}">
+                <a14:useLocalDpi xmlns:a14="http://schemas.microsoft.com/office/drawing/2010/main" val="0"/>
+              </a:ext>
+            </a:extLst>
+          </a:blip>
+          <a:srcRect/>
+          <a:stretch>
+            <a:fillRect/>
+          </a:stretch>
+        </p:blipFill>
+        <p:spPr bwMode="auto">
+          <a:xfrm>
+            <a:off x="921831" y="1030357"/>
+            <a:ext cx="2477390" cy="3223591"/>
+          </a:xfrm>
+          <a:prstGeom prst="rect">
+            <a:avLst/>
+          </a:prstGeom>
+          <a:noFill/>
+          <a:extLst>
+            <a:ext uri="{909E8E84-426E-40DD-AFC4-6F175D3DCCD1}">
+              <a14:hiddenFill xmlns:a14="http://schemas.microsoft.com/office/drawing/2010/main">
+                <a:solidFill>
+                  <a:srgbClr val="FFFFFF"/>
+                </a:solidFill>
+              </a14:hiddenFill>
+            </a:ext>
+          </a:extLst>
+        </p:spPr>
+      </p:pic>
+      <p:sp>
+        <p:nvSpPr>
+          <p:cNvPr id="3" name="Rectangle 2">
+            <a:extLst>
+              <a:ext uri="{FF2B5EF4-FFF2-40B4-BE49-F238E27FC236}">
+                <a16:creationId xmlns:a16="http://schemas.microsoft.com/office/drawing/2014/main" id="{B54E1783-10C2-4350-8DEF-58220256D8C5}"/>
+              </a:ext>
+            </a:extLst>
+          </p:cNvPr>
+          <p:cNvSpPr/>
+          <p:nvPr/>
+        </p:nvSpPr>
+        <p:spPr>
+          <a:xfrm>
+            <a:off x="874469" y="4253948"/>
+            <a:ext cx="2572114" cy="369332"/>
+          </a:xfrm>
+          <a:prstGeom prst="rect">
+            <a:avLst/>
+          </a:prstGeom>
+        </p:spPr>
+        <p:txBody>
+          <a:bodyPr wrap="none">
+            <a:spAutoFit/>
+          </a:bodyPr>
+          <a:lstStyle/>
+          <a:p>
+            <a:r>
+              <a:rPr lang="en-US" dirty="0"/>
+              <a:t>Director – Andrew Niccol</a:t>
+            </a:r>
+          </a:p>
+        </p:txBody>
+      </p:sp>
+    </p:spTree>
+    <p:extLst>
+      <p:ext uri="{BB962C8B-B14F-4D97-AF65-F5344CB8AC3E}">
+        <p14:creationId xmlns:p14="http://schemas.microsoft.com/office/powerpoint/2010/main" val="3397905181"/>
+      </p:ext>
+    </p:extLst>
+  </p:cSld>
+  <p:clrMapOvr>
+    <a:masterClrMapping/>
+  </p:clrMapOvr>
+</p:sld>
+</file>
+
+<file path=ppt/slides/slide4.xml><?xml version="1.0" encoding="utf-8"?>
+<p:sld xmlns:a="http://schemas.openxmlformats.org/drawingml/2006/main" xmlns:r="http://schemas.openxmlformats.org/officeDocument/2006/relationships" xmlns:p="http://schemas.openxmlformats.org/presentationml/2006/main">
+  <p:cSld>
+    <p:spTree>
+      <p:nvGrpSpPr>
+        <p:cNvPr id="1" name=""/>
+        <p:cNvGrpSpPr/>
+        <p:nvPr/>
+      </p:nvGrpSpPr>
+      <p:grpSpPr>
+        <a:xfrm>
+          <a:off x="0" y="0"/>
+          <a:ext cx="0" cy="0"/>
+          <a:chOff x="0" y="0"/>
+          <a:chExt cx="0" cy="0"/>
+        </a:xfrm>
+      </p:grpSpPr>
+      <p:sp>
+        <p:nvSpPr>
+          <p:cNvPr id="2" name="Titre 1">
+            <a:extLst>
+              <a:ext uri="{FF2B5EF4-FFF2-40B4-BE49-F238E27FC236}">
+                <a16:creationId xmlns:a16="http://schemas.microsoft.com/office/drawing/2014/main" id="{70A98D57-046E-4678-9057-1EBEC300627C}"/>
+              </a:ext>
+            </a:extLst>
+          </p:cNvPr>
+          <p:cNvSpPr>
+            <a:spLocks noGrp="1"/>
+          </p:cNvSpPr>
+          <p:nvPr>
+            <p:ph type="title"/>
+          </p:nvPr>
+        </p:nvSpPr>
+        <p:spPr>
+          <a:xfrm>
+            <a:off x="1199323" y="284922"/>
+            <a:ext cx="9601200" cy="705678"/>
+          </a:xfrm>
+        </p:spPr>
+        <p:txBody>
+          <a:bodyPr/>
+          <a:lstStyle/>
+          <a:p>
+            <a:r>
+              <a:rPr lang="en-US" dirty="0"/>
+              <a:t>Presentation of « War Lord » </a:t>
+            </a:r>
+            <a:endParaRPr lang="fr-FR" dirty="0"/>
+          </a:p>
+        </p:txBody>
+      </p:sp>
+      <p:sp>
+        <p:nvSpPr>
+          <p:cNvPr id="3" name="Espace réservé du contenu 2">
+            <a:extLst>
+              <a:ext uri="{FF2B5EF4-FFF2-40B4-BE49-F238E27FC236}">
+                <a16:creationId xmlns:a16="http://schemas.microsoft.com/office/drawing/2014/main" id="{BAD02A32-9BA1-4A75-896E-7B09341C3BBE}"/>
+              </a:ext>
+            </a:extLst>
+          </p:cNvPr>
+          <p:cNvSpPr>
+            <a:spLocks noGrp="1"/>
+          </p:cNvSpPr>
+          <p:nvPr>
+            <p:ph idx="1"/>
+          </p:nvPr>
+        </p:nvSpPr>
+        <p:spPr>
+          <a:xfrm>
+            <a:off x="2816087" y="2199860"/>
+            <a:ext cx="9601200" cy="4528930"/>
+          </a:xfrm>
+        </p:spPr>
+        <p:txBody>
+          <a:bodyPr>
+            <a:normAutofit/>
+          </a:bodyPr>
+          <a:lstStyle/>
+          <a:p>
+            <a:pPr marL="0" indent="0">
+              <a:buNone/>
+            </a:pPr>
+            <a:r>
+              <a:rPr lang="fr-FR" dirty="0" err="1"/>
+              <a:t>Submachine</a:t>
+            </a:r>
+            <a:r>
+              <a:rPr lang="fr-FR" dirty="0"/>
+              <a:t> gun</a:t>
+            </a:r>
+          </a:p>
+          <a:p>
+            <a:pPr marL="0" indent="0">
+              <a:buNone/>
+            </a:pPr>
+            <a:endParaRPr lang="fr-FR" dirty="0"/>
+          </a:p>
+          <a:p>
+            <a:pPr marL="0" indent="0">
+              <a:buNone/>
+            </a:pPr>
+            <a:r>
+              <a:rPr lang="fr-FR" dirty="0" err="1"/>
+              <a:t>Pistol</a:t>
+            </a:r>
+            <a:r>
+              <a:rPr lang="fr-FR" dirty="0"/>
+              <a:t> of </a:t>
+            </a:r>
+            <a:r>
+              <a:rPr lang="fr-FR" dirty="0" err="1"/>
+              <a:t>differents</a:t>
+            </a:r>
+            <a:r>
+              <a:rPr lang="fr-FR" dirty="0"/>
+              <a:t> power</a:t>
+            </a:r>
+          </a:p>
+          <a:p>
+            <a:pPr marL="0" indent="0">
+              <a:buNone/>
+            </a:pPr>
+            <a:endParaRPr lang="fr-FR" dirty="0"/>
+          </a:p>
+          <a:p>
+            <a:pPr marL="0" indent="0">
+              <a:buNone/>
+            </a:pPr>
+            <a:r>
+              <a:rPr lang="fr-FR" dirty="0"/>
+              <a:t>Rocket launcher</a:t>
+            </a:r>
+          </a:p>
+          <a:p>
+            <a:pPr marL="0" indent="0">
+              <a:buNone/>
+            </a:pPr>
+            <a:endParaRPr lang="fr-FR" dirty="0"/>
+          </a:p>
+          <a:p>
+            <a:pPr marL="0" indent="0">
+              <a:buNone/>
+            </a:pPr>
+            <a:r>
+              <a:rPr lang="fr-FR" dirty="0"/>
+              <a:t>Civil </a:t>
+            </a:r>
+            <a:r>
+              <a:rPr lang="fr-FR" dirty="0" err="1"/>
+              <a:t>weapons</a:t>
+            </a:r>
+            <a:r>
+              <a:rPr lang="fr-FR" dirty="0"/>
+              <a:t> (can use </a:t>
+            </a:r>
+            <a:r>
+              <a:rPr lang="fr-FR" dirty="0" err="1"/>
+              <a:t>everywhere</a:t>
+            </a:r>
+            <a:r>
+              <a:rPr lang="fr-FR" dirty="0"/>
+              <a:t>)</a:t>
+            </a:r>
+          </a:p>
+          <a:p>
+            <a:pPr marL="0" indent="0">
+              <a:buNone/>
+            </a:pPr>
+            <a:endParaRPr lang="fr-FR" dirty="0"/>
+          </a:p>
+          <a:p>
+            <a:pPr marL="0" indent="0">
+              <a:buNone/>
+            </a:pPr>
+            <a:r>
+              <a:rPr lang="fr-FR" dirty="0" err="1"/>
+              <a:t>Fetish</a:t>
+            </a:r>
+            <a:r>
+              <a:rPr lang="fr-FR" dirty="0"/>
+              <a:t> </a:t>
+            </a:r>
+            <a:r>
+              <a:rPr lang="fr-FR" dirty="0" err="1"/>
+              <a:t>weapon</a:t>
+            </a:r>
+            <a:r>
+              <a:rPr lang="fr-FR" dirty="0"/>
+              <a:t> : </a:t>
+            </a:r>
+            <a:r>
+              <a:rPr lang="fr-FR" dirty="0" err="1"/>
+              <a:t>ak</a:t>
+            </a:r>
+            <a:r>
+              <a:rPr lang="fr-FR" dirty="0"/>
+              <a:t> 47 and the </a:t>
+            </a:r>
+            <a:r>
+              <a:rPr lang="fr-FR" dirty="0" err="1"/>
+              <a:t>uzi</a:t>
+            </a:r>
+            <a:endParaRPr lang="fr-FR" dirty="0"/>
+          </a:p>
+        </p:txBody>
+      </p:sp>
+      <p:sp>
+        <p:nvSpPr>
+          <p:cNvPr id="4" name="ZoneTexte 3">
+            <a:extLst>
+              <a:ext uri="{FF2B5EF4-FFF2-40B4-BE49-F238E27FC236}">
+                <a16:creationId xmlns:a16="http://schemas.microsoft.com/office/drawing/2014/main" id="{882E9E21-DE06-4764-9EC2-D6967B4B7F6F}"/>
+              </a:ext>
+            </a:extLst>
+          </p:cNvPr>
+          <p:cNvSpPr txBox="1"/>
+          <p:nvPr/>
+        </p:nvSpPr>
+        <p:spPr>
+          <a:xfrm>
+            <a:off x="1722782" y="1181172"/>
+            <a:ext cx="3604592" cy="369332"/>
+          </a:xfrm>
+          <a:prstGeom prst="rect">
+            <a:avLst/>
+          </a:prstGeom>
+          <a:noFill/>
+        </p:spPr>
+        <p:txBody>
+          <a:bodyPr wrap="square" rtlCol="0">
+            <a:spAutoFit/>
+          </a:bodyPr>
+          <a:lstStyle/>
+          <a:p>
+            <a:r>
+              <a:rPr lang="fr-FR" dirty="0" err="1"/>
+              <a:t>Differents</a:t>
+            </a:r>
+            <a:r>
+              <a:rPr lang="fr-FR" dirty="0"/>
+              <a:t> types of </a:t>
+            </a:r>
+            <a:r>
+              <a:rPr lang="fr-FR" dirty="0" err="1"/>
+              <a:t>weapons</a:t>
+            </a:r>
+            <a:endParaRPr lang="fr-FR" dirty="0"/>
+          </a:p>
+        </p:txBody>
+      </p:sp>
+    </p:spTree>
+    <p:extLst>
+      <p:ext uri="{BB962C8B-B14F-4D97-AF65-F5344CB8AC3E}">
+        <p14:creationId xmlns:p14="http://schemas.microsoft.com/office/powerpoint/2010/main" val="2490444617"/>
+      </p:ext>
+    </p:extLst>
+  </p:cSld>
+  <p:clrMapOvr>
+    <a:masterClrMapping/>
+  </p:clrMapOvr>
+</p:sld>
+</file>
+
+<file path=ppt/slides/slide5.xml><?xml version="1.0" encoding="utf-8"?>
+<p:sld xmlns:a="http://schemas.openxmlformats.org/drawingml/2006/main" xmlns:r="http://schemas.openxmlformats.org/officeDocument/2006/relationships" xmlns:p="http://schemas.openxmlformats.org/presentationml/2006/main">
+  <p:cSld>
+    <p:spTree>
+      <p:nvGrpSpPr>
+        <p:cNvPr id="1" name=""/>
+        <p:cNvGrpSpPr/>
+        <p:nvPr/>
+      </p:nvGrpSpPr>
+      <p:grpSpPr>
+        <a:xfrm>
+          <a:off x="0" y="0"/>
+          <a:ext cx="0" cy="0"/>
+          <a:chOff x="0" y="0"/>
+          <a:chExt cx="0" cy="0"/>
+        </a:xfrm>
+      </p:grpSpPr>
+      <p:sp>
+        <p:nvSpPr>
+          <p:cNvPr id="2" name="Titre 1">
+            <a:extLst>
+              <a:ext uri="{FF2B5EF4-FFF2-40B4-BE49-F238E27FC236}">
+                <a16:creationId xmlns:a16="http://schemas.microsoft.com/office/drawing/2014/main" id="{3EAF10F2-9CF4-49C7-B57F-D18CBE324814}"/>
+              </a:ext>
+            </a:extLst>
+          </p:cNvPr>
+          <p:cNvSpPr>
+            <a:spLocks noGrp="1"/>
+          </p:cNvSpPr>
+          <p:nvPr>
+            <p:ph type="title"/>
+          </p:nvPr>
+        </p:nvSpPr>
+        <p:spPr>
+          <a:xfrm>
+            <a:off x="1295400" y="247651"/>
+            <a:ext cx="9601200" cy="1485900"/>
+          </a:xfrm>
+        </p:spPr>
+        <p:txBody>
+          <a:bodyPr/>
+          <a:lstStyle/>
+          <a:p>
+            <a:r>
+              <a:rPr lang="en-US" dirty="0"/>
+              <a:t>Presentation of « War Lord »</a:t>
+            </a:r>
+            <a:endParaRPr lang="fr-FR" dirty="0"/>
+          </a:p>
+        </p:txBody>
+      </p:sp>
+      <p:sp>
+        <p:nvSpPr>
+          <p:cNvPr id="3" name="Espace réservé du contenu 2">
+            <a:extLst>
+              <a:ext uri="{FF2B5EF4-FFF2-40B4-BE49-F238E27FC236}">
+                <a16:creationId xmlns:a16="http://schemas.microsoft.com/office/drawing/2014/main" id="{03678747-C8AE-4E3C-B79D-B621C157DCC0}"/>
+              </a:ext>
+            </a:extLst>
+          </p:cNvPr>
+          <p:cNvSpPr>
+            <a:spLocks noGrp="1"/>
+          </p:cNvSpPr>
+          <p:nvPr>
+            <p:ph idx="1"/>
+          </p:nvPr>
+        </p:nvSpPr>
+        <p:spPr>
+          <a:xfrm>
+            <a:off x="7601758" y="1497496"/>
+            <a:ext cx="3294842" cy="4568686"/>
+          </a:xfrm>
+        </p:spPr>
+        <p:txBody>
+          <a:bodyPr/>
+          <a:lstStyle/>
+          <a:p>
+            <a:pPr marL="0" indent="0">
+              <a:buNone/>
+            </a:pPr>
+            <a:r>
+              <a:rPr lang="fr-FR" dirty="0"/>
+              <a:t>- Main </a:t>
+            </a:r>
+            <a:r>
+              <a:rPr lang="fr-FR" dirty="0" err="1"/>
+              <a:t>character</a:t>
+            </a:r>
+            <a:r>
+              <a:rPr lang="fr-FR" dirty="0"/>
+              <a:t> Yuri Orlov</a:t>
+            </a:r>
+          </a:p>
+          <a:p>
+            <a:pPr marL="0" indent="0">
+              <a:buNone/>
+            </a:pPr>
+            <a:r>
+              <a:rPr lang="fr-FR" dirty="0"/>
+              <a:t>- </a:t>
+            </a:r>
+            <a:r>
+              <a:rPr lang="fr-FR" dirty="0" err="1"/>
+              <a:t>Ukranian</a:t>
+            </a:r>
+            <a:r>
+              <a:rPr lang="fr-FR" dirty="0"/>
+              <a:t> </a:t>
+            </a:r>
+            <a:r>
+              <a:rPr lang="fr-FR" dirty="0" err="1"/>
+              <a:t>family</a:t>
+            </a:r>
+            <a:endParaRPr lang="fr-FR" dirty="0"/>
+          </a:p>
+          <a:p>
+            <a:pPr marL="0" indent="0">
+              <a:buNone/>
+            </a:pPr>
+            <a:r>
+              <a:rPr lang="fr-FR" dirty="0"/>
+              <a:t>- Move to USA, cold </a:t>
+            </a:r>
+            <a:r>
+              <a:rPr lang="fr-FR" dirty="0" err="1"/>
+              <a:t>war</a:t>
+            </a:r>
+            <a:endParaRPr lang="fr-FR" dirty="0"/>
+          </a:p>
+          <a:p>
+            <a:pPr marL="0" indent="0">
+              <a:buNone/>
+            </a:pPr>
+            <a:endParaRPr lang="fr-FR" dirty="0"/>
+          </a:p>
+          <a:p>
+            <a:pPr>
+              <a:buFontTx/>
+              <a:buChar char="-"/>
+            </a:pPr>
+            <a:r>
+              <a:rPr lang="fr-FR" dirty="0" err="1"/>
+              <a:t>Gunrunner</a:t>
+            </a:r>
+            <a:endParaRPr lang="fr-FR" dirty="0"/>
+          </a:p>
+          <a:p>
+            <a:pPr>
+              <a:buFontTx/>
+              <a:buChar char="-"/>
+            </a:pPr>
+            <a:r>
+              <a:rPr lang="fr-FR" dirty="0" err="1"/>
+              <a:t>Father</a:t>
+            </a:r>
+            <a:endParaRPr lang="fr-FR" dirty="0"/>
+          </a:p>
+          <a:p>
+            <a:pPr>
+              <a:buFontTx/>
+              <a:buChar char="-"/>
+            </a:pPr>
+            <a:endParaRPr lang="fr-FR" dirty="0"/>
+          </a:p>
+          <a:p>
+            <a:pPr>
+              <a:buFontTx/>
+              <a:buChar char="-"/>
+            </a:pPr>
+            <a:r>
+              <a:rPr lang="fr-FR" dirty="0"/>
+              <a:t>Stop for a moment</a:t>
+            </a:r>
+          </a:p>
+          <a:p>
+            <a:pPr>
+              <a:buFontTx/>
+              <a:buChar char="-"/>
+            </a:pPr>
+            <a:r>
+              <a:rPr lang="fr-FR" dirty="0"/>
+              <a:t>Restart </a:t>
+            </a:r>
+            <a:r>
+              <a:rPr lang="fr-FR" dirty="0" err="1"/>
+              <a:t>again</a:t>
+            </a:r>
+            <a:r>
+              <a:rPr lang="fr-FR" dirty="0"/>
+              <a:t> </a:t>
+            </a:r>
+            <a:r>
+              <a:rPr lang="fr-FR" dirty="0" err="1"/>
+              <a:t>after</a:t>
+            </a:r>
+            <a:r>
+              <a:rPr lang="fr-FR" dirty="0"/>
+              <a:t> </a:t>
+            </a:r>
+            <a:r>
+              <a:rPr lang="fr-FR" dirty="0" err="1"/>
+              <a:t>problems</a:t>
+            </a:r>
+            <a:endParaRPr lang="fr-FR" dirty="0"/>
+          </a:p>
+        </p:txBody>
+      </p:sp>
+      <p:pic>
+        <p:nvPicPr>
+          <p:cNvPr id="2050" name="Picture 2" descr="Description de cette image, Ã©galement commentÃ©e ci-aprÃ¨s">
+            <a:extLst>
+              <a:ext uri="{FF2B5EF4-FFF2-40B4-BE49-F238E27FC236}">
+                <a16:creationId xmlns:a16="http://schemas.microsoft.com/office/drawing/2014/main" id="{3CF9146B-506B-414D-90E8-DDCBA808CF71}"/>
+              </a:ext>
+            </a:extLst>
+          </p:cNvPr>
+          <p:cNvPicPr>
+            <a:picLocks noChangeAspect="1" noChangeArrowheads="1"/>
+          </p:cNvPicPr>
+          <p:nvPr/>
+        </p:nvPicPr>
+        <p:blipFill>
+          <a:blip r:embed="rId2">
+            <a:extLst>
+              <a:ext uri="{28A0092B-C50C-407E-A947-70E740481C1C}">
+                <a14:useLocalDpi xmlns:a14="http://schemas.microsoft.com/office/drawing/2010/main" val="0"/>
+              </a:ext>
+            </a:extLst>
+          </a:blip>
+          <a:srcRect/>
+          <a:stretch>
+            <a:fillRect/>
+          </a:stretch>
+        </p:blipFill>
+        <p:spPr bwMode="auto">
+          <a:xfrm>
+            <a:off x="2322019" y="1239081"/>
+            <a:ext cx="3294842" cy="5085516"/>
+          </a:xfrm>
+          <a:prstGeom prst="rect">
+            <a:avLst/>
+          </a:prstGeom>
+          <a:noFill/>
+          <a:extLst>
+            <a:ext uri="{909E8E84-426E-40DD-AFC4-6F175D3DCCD1}">
+              <a14:hiddenFill xmlns:a14="http://schemas.microsoft.com/office/drawing/2010/main">
+                <a:solidFill>
+                  <a:srgbClr val="FFFFFF"/>
+                </a:solidFill>
+              </a14:hiddenFill>
+            </a:ext>
+          </a:extLst>
+        </p:spPr>
+      </p:pic>
+    </p:spTree>
+    <p:extLst>
+      <p:ext uri="{BB962C8B-B14F-4D97-AF65-F5344CB8AC3E}">
+        <p14:creationId xmlns:p14="http://schemas.microsoft.com/office/powerpoint/2010/main" val="2236514371"/>
+      </p:ext>
+    </p:extLst>
+  </p:cSld>
+  <p:clrMapOvr>
+    <a:masterClrMapping/>
+  </p:clrMapOvr>
+</p:sld>
+</file>
+
+<file path=ppt/slides/slide6.xml><?xml version="1.0" encoding="utf-8"?>
+<p:sld xmlns:a="http://schemas.openxmlformats.org/drawingml/2006/main" xmlns:r="http://schemas.openxmlformats.org/officeDocument/2006/relationships" xmlns:p="http://schemas.openxmlformats.org/presentationml/2006/main">
+  <p:cSld>
+    <p:spTree>
+      <p:nvGrpSpPr>
+        <p:cNvPr id="1" name=""/>
+        <p:cNvGrpSpPr/>
+        <p:nvPr/>
+      </p:nvGrpSpPr>
+      <p:grpSpPr>
+        <a:xfrm>
+          <a:off x="0" y="0"/>
+          <a:ext cx="0" cy="0"/>
+          <a:chOff x="0" y="0"/>
+          <a:chExt cx="0" cy="0"/>
+        </a:xfrm>
+      </p:grpSpPr>
+      <p:sp>
+        <p:nvSpPr>
+          <p:cNvPr id="2" name="Titre 1">
+            <a:extLst>
+              <a:ext uri="{FF2B5EF4-FFF2-40B4-BE49-F238E27FC236}">
+                <a16:creationId xmlns:a16="http://schemas.microsoft.com/office/drawing/2014/main" id="{5E3D4D30-C475-43FF-BFE4-08EE31F199CD}"/>
+              </a:ext>
+            </a:extLst>
+          </p:cNvPr>
+          <p:cNvSpPr>
+            <a:spLocks noGrp="1"/>
+          </p:cNvSpPr>
+          <p:nvPr>
+            <p:ph type="title"/>
+          </p:nvPr>
+        </p:nvSpPr>
+        <p:spPr>
+          <a:xfrm>
+            <a:off x="1000539" y="247650"/>
+            <a:ext cx="9601200" cy="742950"/>
+          </a:xfrm>
+        </p:spPr>
+        <p:txBody>
+          <a:bodyPr>
+            <a:normAutofit/>
+          </a:bodyPr>
+          <a:lstStyle/>
+          <a:p>
+            <a:r>
+              <a:rPr lang="en-US"/>
+              <a:t>Mains characters</a:t>
+            </a:r>
+            <a:endParaRPr lang="fr-FR" dirty="0"/>
+          </a:p>
+        </p:txBody>
+      </p:sp>
+      <p:sp>
+        <p:nvSpPr>
+          <p:cNvPr id="4" name="ZoneTexte 3">
+            <a:extLst>
+              <a:ext uri="{FF2B5EF4-FFF2-40B4-BE49-F238E27FC236}">
+                <a16:creationId xmlns:a16="http://schemas.microsoft.com/office/drawing/2014/main" id="{81927FCC-0C64-4109-89ED-E6CD18F4F641}"/>
+              </a:ext>
+            </a:extLst>
+          </p:cNvPr>
+          <p:cNvSpPr txBox="1"/>
+          <p:nvPr/>
+        </p:nvSpPr>
+        <p:spPr>
+          <a:xfrm>
+            <a:off x="8587408" y="2756450"/>
+            <a:ext cx="1404731" cy="369332"/>
+          </a:xfrm>
+          <a:prstGeom prst="rect">
+            <a:avLst/>
+          </a:prstGeom>
+          <a:noFill/>
+        </p:spPr>
+        <p:txBody>
+          <a:bodyPr wrap="square" rtlCol="0">
+            <a:spAutoFit/>
+          </a:bodyPr>
+          <a:lstStyle/>
+          <a:p>
+            <a:r>
+              <a:rPr lang="fr-FR" dirty="0"/>
+              <a:t>Vitaly Orlov</a:t>
+            </a:r>
+          </a:p>
+        </p:txBody>
+      </p:sp>
+      <p:sp>
+        <p:nvSpPr>
+          <p:cNvPr id="6" name="ZoneTexte 5">
+            <a:extLst>
+              <a:ext uri="{FF2B5EF4-FFF2-40B4-BE49-F238E27FC236}">
+                <a16:creationId xmlns:a16="http://schemas.microsoft.com/office/drawing/2014/main" id="{A53103E6-239C-4DF5-BCF3-266B23D0557C}"/>
+              </a:ext>
+            </a:extLst>
+          </p:cNvPr>
+          <p:cNvSpPr txBox="1"/>
+          <p:nvPr/>
+        </p:nvSpPr>
+        <p:spPr>
+          <a:xfrm>
+            <a:off x="6662531" y="2756451"/>
+            <a:ext cx="1126435" cy="369332"/>
+          </a:xfrm>
+          <a:prstGeom prst="rect">
+            <a:avLst/>
+          </a:prstGeom>
+          <a:noFill/>
+        </p:spPr>
+        <p:txBody>
+          <a:bodyPr wrap="square" rtlCol="0">
+            <a:spAutoFit/>
+          </a:bodyPr>
+          <a:lstStyle/>
+          <a:p>
+            <a:r>
+              <a:rPr lang="fr-FR" dirty="0"/>
+              <a:t>Yuri Orlov</a:t>
+            </a:r>
+          </a:p>
+        </p:txBody>
+      </p:sp>
+      <p:pic>
+        <p:nvPicPr>
+          <p:cNvPr id="3076" name="Picture 4" descr="Lord of War Movie Review &amp;amp; Film Summary (2005) | Roger Ebert">
+            <a:extLst>
+              <a:ext uri="{FF2B5EF4-FFF2-40B4-BE49-F238E27FC236}">
+                <a16:creationId xmlns:a16="http://schemas.microsoft.com/office/drawing/2014/main" id="{FAF171CE-F983-480E-B7F7-BF2AE552908A}"/>
+              </a:ext>
+            </a:extLst>
+          </p:cNvPr>
+          <p:cNvPicPr>
+            <a:picLocks noChangeAspect="1" noChangeArrowheads="1"/>
+          </p:cNvPicPr>
+          <p:nvPr/>
+        </p:nvPicPr>
+        <p:blipFill rotWithShape="1">
+          <a:blip r:embed="rId2">
+            <a:extLst>
+              <a:ext uri="{28A0092B-C50C-407E-A947-70E740481C1C}">
+                <a14:useLocalDpi xmlns:a14="http://schemas.microsoft.com/office/drawing/2010/main" val="0"/>
+              </a:ext>
+            </a:extLst>
+          </a:blip>
+          <a:srcRect l="8015" r="21650"/>
+          <a:stretch/>
+        </p:blipFill>
+        <p:spPr bwMode="auto">
+          <a:xfrm>
+            <a:off x="6096000" y="247650"/>
+            <a:ext cx="3896139" cy="2308086"/>
+          </a:xfrm>
+          <a:prstGeom prst="rect">
+            <a:avLst/>
+          </a:prstGeom>
+          <a:noFill/>
+          <a:extLst>
+            <a:ext uri="{909E8E84-426E-40DD-AFC4-6F175D3DCCD1}">
+              <a14:hiddenFill xmlns:a14="http://schemas.microsoft.com/office/drawing/2010/main">
+                <a:solidFill>
+                  <a:srgbClr val="FFFFFF"/>
+                </a:solidFill>
+              </a14:hiddenFill>
+            </a:ext>
+          </a:extLst>
+        </p:spPr>
+      </p:pic>
+      <p:sp>
+        <p:nvSpPr>
+          <p:cNvPr id="8" name="ZoneTexte 7">
+            <a:extLst>
+              <a:ext uri="{FF2B5EF4-FFF2-40B4-BE49-F238E27FC236}">
+                <a16:creationId xmlns:a16="http://schemas.microsoft.com/office/drawing/2014/main" id="{F4B4AF8D-3C48-4B14-BB0A-13D5EEA045BD}"/>
+              </a:ext>
+            </a:extLst>
+          </p:cNvPr>
+          <p:cNvSpPr txBox="1"/>
+          <p:nvPr/>
+        </p:nvSpPr>
+        <p:spPr>
+          <a:xfrm>
+            <a:off x="1316935" y="5207897"/>
+            <a:ext cx="1692965" cy="369332"/>
+          </a:xfrm>
+          <a:prstGeom prst="rect">
+            <a:avLst/>
+          </a:prstGeom>
+          <a:noFill/>
+        </p:spPr>
+        <p:txBody>
+          <a:bodyPr wrap="square" rtlCol="0">
+            <a:spAutoFit/>
+          </a:bodyPr>
+          <a:lstStyle/>
+          <a:p>
+            <a:r>
+              <a:rPr lang="fr-FR" dirty="0"/>
+              <a:t>Eva Fontaine</a:t>
+            </a:r>
+          </a:p>
+        </p:txBody>
+      </p:sp>
+      <p:sp>
+        <p:nvSpPr>
+          <p:cNvPr id="9" name="ZoneTexte 8">
+            <a:extLst>
+              <a:ext uri="{FF2B5EF4-FFF2-40B4-BE49-F238E27FC236}">
+                <a16:creationId xmlns:a16="http://schemas.microsoft.com/office/drawing/2014/main" id="{3B7730FB-3BB3-43CC-9C70-6D2D471AAD76}"/>
+              </a:ext>
+            </a:extLst>
+          </p:cNvPr>
+          <p:cNvSpPr txBox="1"/>
+          <p:nvPr/>
+        </p:nvSpPr>
+        <p:spPr>
+          <a:xfrm>
+            <a:off x="9289773" y="6190080"/>
+            <a:ext cx="3276600" cy="369333"/>
+          </a:xfrm>
+          <a:prstGeom prst="rect">
+            <a:avLst/>
+          </a:prstGeom>
+          <a:noFill/>
+        </p:spPr>
+        <p:txBody>
+          <a:bodyPr wrap="square" rtlCol="0">
+            <a:spAutoFit/>
+          </a:bodyPr>
+          <a:lstStyle/>
+          <a:p>
+            <a:r>
+              <a:rPr lang="fr-FR" dirty="0" err="1"/>
+              <a:t>Simeon</a:t>
+            </a:r>
+            <a:r>
+              <a:rPr lang="fr-FR" dirty="0"/>
+              <a:t> Weisz (</a:t>
+            </a:r>
+            <a:r>
+              <a:rPr lang="fr-FR" dirty="0" err="1"/>
+              <a:t>competitor</a:t>
+            </a:r>
+            <a:r>
+              <a:rPr lang="fr-FR" dirty="0"/>
+              <a:t>)</a:t>
+            </a:r>
+          </a:p>
+        </p:txBody>
+      </p:sp>
+      <p:sp>
+        <p:nvSpPr>
+          <p:cNvPr id="10" name="ZoneTexte 9">
+            <a:extLst>
+              <a:ext uri="{FF2B5EF4-FFF2-40B4-BE49-F238E27FC236}">
+                <a16:creationId xmlns:a16="http://schemas.microsoft.com/office/drawing/2014/main" id="{7C68C4E3-B329-4A85-99F0-6083976957E1}"/>
+              </a:ext>
+            </a:extLst>
+          </p:cNvPr>
+          <p:cNvSpPr txBox="1"/>
+          <p:nvPr/>
+        </p:nvSpPr>
+        <p:spPr>
+          <a:xfrm>
+            <a:off x="6645137" y="3735387"/>
+            <a:ext cx="2986710" cy="369332"/>
+          </a:xfrm>
+          <a:prstGeom prst="rect">
+            <a:avLst/>
+          </a:prstGeom>
+          <a:noFill/>
+        </p:spPr>
+        <p:txBody>
+          <a:bodyPr wrap="square" rtlCol="0">
+            <a:spAutoFit/>
+          </a:bodyPr>
+          <a:lstStyle/>
+          <a:p>
+            <a:r>
+              <a:rPr lang="fr-FR" dirty="0"/>
+              <a:t>Irina and Anatoli Orlov</a:t>
+            </a:r>
+          </a:p>
+        </p:txBody>
+      </p:sp>
+      <p:pic>
+        <p:nvPicPr>
+          <p:cNvPr id="3078" name="Picture 6" descr="Description de cette image, Ã©galement commentÃ©e ci-aprÃ¨s">
+            <a:extLst>
+              <a:ext uri="{FF2B5EF4-FFF2-40B4-BE49-F238E27FC236}">
+                <a16:creationId xmlns:a16="http://schemas.microsoft.com/office/drawing/2014/main" id="{62E1450F-8A40-4598-B599-9030C441E20F}"/>
+              </a:ext>
+            </a:extLst>
+          </p:cNvPr>
+          <p:cNvPicPr>
+            <a:picLocks noChangeAspect="1" noChangeArrowheads="1"/>
+          </p:cNvPicPr>
+          <p:nvPr/>
+        </p:nvPicPr>
+        <p:blipFill>
+          <a:blip r:embed="rId3">
+            <a:extLst>
+              <a:ext uri="{28A0092B-C50C-407E-A947-70E740481C1C}">
+                <a14:useLocalDpi xmlns:a14="http://schemas.microsoft.com/office/drawing/2010/main" val="0"/>
+              </a:ext>
+            </a:extLst>
+          </a:blip>
+          <a:srcRect/>
+          <a:stretch>
+            <a:fillRect/>
+          </a:stretch>
+        </p:blipFill>
+        <p:spPr bwMode="auto">
+          <a:xfrm>
+            <a:off x="3387589" y="1845572"/>
+            <a:ext cx="2476500" cy="3362325"/>
+          </a:xfrm>
+          <a:prstGeom prst="rect">
+            <a:avLst/>
+          </a:prstGeom>
+          <a:noFill/>
+          <a:extLst>
+            <a:ext uri="{909E8E84-426E-40DD-AFC4-6F175D3DCCD1}">
+              <a14:hiddenFill xmlns:a14="http://schemas.microsoft.com/office/drawing/2010/main">
+                <a:solidFill>
+                  <a:srgbClr val="FFFFFF"/>
+                </a:solidFill>
+              </a14:hiddenFill>
+            </a:ext>
+          </a:extLst>
+        </p:spPr>
+      </p:pic>
+      <p:sp>
+        <p:nvSpPr>
+          <p:cNvPr id="5" name="Rectangle 4">
+            <a:extLst>
+              <a:ext uri="{FF2B5EF4-FFF2-40B4-BE49-F238E27FC236}">
+                <a16:creationId xmlns:a16="http://schemas.microsoft.com/office/drawing/2014/main" id="{4DC3D141-6D86-442F-9E22-BB8392A1976C}"/>
+              </a:ext>
+            </a:extLst>
+          </p:cNvPr>
+          <p:cNvSpPr/>
+          <p:nvPr/>
+        </p:nvSpPr>
+        <p:spPr>
+          <a:xfrm>
+            <a:off x="3453417" y="5392563"/>
+            <a:ext cx="2642583" cy="369332"/>
+          </a:xfrm>
+          <a:prstGeom prst="rect">
+            <a:avLst/>
+          </a:prstGeom>
+        </p:spPr>
+        <p:txBody>
+          <a:bodyPr wrap="none">
+            <a:spAutoFit/>
+          </a:bodyPr>
+          <a:lstStyle/>
+          <a:p>
+            <a:r>
+              <a:rPr lang="fr-FR" dirty="0">
+                <a:solidFill>
+                  <a:srgbClr val="222222"/>
+                </a:solidFill>
+                <a:latin typeface="Arial" panose="020B0604020202020204" pitchFamily="34" charset="0"/>
+              </a:rPr>
+              <a:t>Jack Valentine (</a:t>
+            </a:r>
+            <a:r>
+              <a:rPr lang="fr-FR" dirty="0" err="1">
+                <a:solidFill>
+                  <a:srgbClr val="222222"/>
+                </a:solidFill>
+                <a:latin typeface="Arial" panose="020B0604020202020204" pitchFamily="34" charset="0"/>
+              </a:rPr>
+              <a:t>interpol</a:t>
+            </a:r>
+            <a:r>
+              <a:rPr lang="fr-FR" dirty="0">
+                <a:solidFill>
+                  <a:srgbClr val="222222"/>
+                </a:solidFill>
+                <a:latin typeface="Arial" panose="020B0604020202020204" pitchFamily="34" charset="0"/>
+              </a:rPr>
+              <a:t>)</a:t>
+            </a:r>
+            <a:endParaRPr lang="fr-FR" dirty="0"/>
+          </a:p>
+        </p:txBody>
+      </p:sp>
+      <p:pic>
+        <p:nvPicPr>
+          <p:cNvPr id="3080" name="Picture 8" descr="Description de l'image Bridget Moynahan at Watch! Magazine 10 year anniversary.jpg.">
+            <a:extLst>
+              <a:ext uri="{FF2B5EF4-FFF2-40B4-BE49-F238E27FC236}">
+                <a16:creationId xmlns:a16="http://schemas.microsoft.com/office/drawing/2014/main" id="{B82E9F0E-4965-48E5-9A4D-49AD0A0DD044}"/>
+              </a:ext>
+            </a:extLst>
+          </p:cNvPr>
+          <p:cNvPicPr>
+            <a:picLocks noChangeAspect="1" noChangeArrowheads="1"/>
+          </p:cNvPicPr>
+          <p:nvPr/>
+        </p:nvPicPr>
+        <p:blipFill>
+          <a:blip r:embed="rId4">
+            <a:extLst>
+              <a:ext uri="{28A0092B-C50C-407E-A947-70E740481C1C}">
+                <a14:useLocalDpi xmlns:a14="http://schemas.microsoft.com/office/drawing/2010/main" val="0"/>
+              </a:ext>
+            </a:extLst>
+          </a:blip>
+          <a:srcRect/>
+          <a:stretch>
+            <a:fillRect/>
+          </a:stretch>
+        </p:blipFill>
+        <p:spPr bwMode="auto">
+          <a:xfrm>
+            <a:off x="897756" y="3125782"/>
+            <a:ext cx="2396886" cy="1895719"/>
+          </a:xfrm>
+          <a:prstGeom prst="rect">
+            <a:avLst/>
+          </a:prstGeom>
+          <a:noFill/>
+          <a:extLst>
+            <a:ext uri="{909E8E84-426E-40DD-AFC4-6F175D3DCCD1}">
+              <a14:hiddenFill xmlns:a14="http://schemas.microsoft.com/office/drawing/2010/main">
+                <a:solidFill>
+                  <a:srgbClr val="FFFFFF"/>
+                </a:solidFill>
+              </a14:hiddenFill>
+            </a:ext>
+          </a:extLst>
+        </p:spPr>
+      </p:pic>
+      <p:pic>
+        <p:nvPicPr>
+          <p:cNvPr id="3082" name="Picture 10" descr="Description de cette image, Ã©galement commentÃ©e ci-aprÃ¨s">
+            <a:extLst>
+              <a:ext uri="{FF2B5EF4-FFF2-40B4-BE49-F238E27FC236}">
+                <a16:creationId xmlns:a16="http://schemas.microsoft.com/office/drawing/2014/main" id="{2610B21F-A96B-41AB-81FA-4B809F79B49A}"/>
+              </a:ext>
+            </a:extLst>
+          </p:cNvPr>
+          <p:cNvPicPr>
+            <a:picLocks noChangeAspect="1" noChangeArrowheads="1"/>
+          </p:cNvPicPr>
+          <p:nvPr/>
+        </p:nvPicPr>
+        <p:blipFill>
+          <a:blip r:embed="rId5">
+            <a:extLst>
+              <a:ext uri="{28A0092B-C50C-407E-A947-70E740481C1C}">
+                <a14:useLocalDpi xmlns:a14="http://schemas.microsoft.com/office/drawing/2010/main" val="0"/>
+              </a:ext>
+            </a:extLst>
+          </a:blip>
+          <a:srcRect/>
+          <a:stretch>
+            <a:fillRect/>
+          </a:stretch>
+        </p:blipFill>
+        <p:spPr bwMode="auto">
+          <a:xfrm>
+            <a:off x="9631847" y="3349753"/>
+            <a:ext cx="2095500" cy="2790825"/>
+          </a:xfrm>
+          <a:prstGeom prst="rect">
+            <a:avLst/>
+          </a:prstGeom>
+          <a:noFill/>
+          <a:extLst>
+            <a:ext uri="{909E8E84-426E-40DD-AFC4-6F175D3DCCD1}">
+              <a14:hiddenFill xmlns:a14="http://schemas.microsoft.com/office/drawing/2010/main">
+                <a:solidFill>
+                  <a:srgbClr val="FFFFFF"/>
+                </a:solidFill>
+              </a14:hiddenFill>
+            </a:ext>
+          </a:extLst>
+        </p:spPr>
+      </p:pic>
+    </p:spTree>
+    <p:extLst>
+      <p:ext uri="{BB962C8B-B14F-4D97-AF65-F5344CB8AC3E}">
+        <p14:creationId xmlns:p14="http://schemas.microsoft.com/office/powerpoint/2010/main" val="3587511597"/>
+      </p:ext>
+    </p:extLst>
+  </p:cSld>
+  <p:clrMapOvr>
+    <a:masterClrMapping/>
+  </p:clrMapOvr>
+</p:sld>
+</file>
+
+<file path=ppt/slides/slide7.xml><?xml version="1.0" encoding="utf-8"?>
+<p:sld xmlns:a="http://schemas.openxmlformats.org/drawingml/2006/main" xmlns:r="http://schemas.openxmlformats.org/officeDocument/2006/relationships" xmlns:p="http://schemas.openxmlformats.org/presentationml/2006/main">
+  <p:cSld>
+    <p:spTree>
+      <p:nvGrpSpPr>
+        <p:cNvPr id="1" name=""/>
+        <p:cNvGrpSpPr/>
+        <p:nvPr/>
+      </p:nvGrpSpPr>
+      <p:grpSpPr>
+        <a:xfrm>
+          <a:off x="0" y="0"/>
+          <a:ext cx="0" cy="0"/>
+          <a:chOff x="0" y="0"/>
+          <a:chExt cx="0" cy="0"/>
+        </a:xfrm>
+      </p:grpSpPr>
+      <p:sp>
+        <p:nvSpPr>
+          <p:cNvPr id="2" name="Titre 1">
+            <a:extLst>
+              <a:ext uri="{FF2B5EF4-FFF2-40B4-BE49-F238E27FC236}">
+                <a16:creationId xmlns:a16="http://schemas.microsoft.com/office/drawing/2014/main" id="{6A6CBA8D-C05C-41F2-A85B-5E69259AA25A}"/>
+              </a:ext>
+            </a:extLst>
+          </p:cNvPr>
+          <p:cNvSpPr>
+            <a:spLocks noGrp="1"/>
+          </p:cNvSpPr>
+          <p:nvPr>
+            <p:ph type="title"/>
+          </p:nvPr>
+        </p:nvSpPr>
+        <p:spPr>
+          <a:xfrm>
+            <a:off x="1013791" y="340415"/>
+            <a:ext cx="9601200" cy="742950"/>
+          </a:xfrm>
+        </p:spPr>
+        <p:txBody>
+          <a:bodyPr/>
+          <a:lstStyle/>
+          <a:p>
+            <a:r>
+              <a:rPr lang="en-US" dirty="0"/>
+              <a:t>The life of </a:t>
+            </a:r>
+            <a:r>
+              <a:rPr lang="en-US"/>
+              <a:t>a bullet 7.62 by 33 mm</a:t>
+            </a:r>
+            <a:endParaRPr lang="fr-FR" dirty="0"/>
+          </a:p>
+        </p:txBody>
+      </p:sp>
+      <p:sp>
+        <p:nvSpPr>
+          <p:cNvPr id="3" name="Espace réservé du contenu 2">
+            <a:extLst>
+              <a:ext uri="{FF2B5EF4-FFF2-40B4-BE49-F238E27FC236}">
+                <a16:creationId xmlns:a16="http://schemas.microsoft.com/office/drawing/2014/main" id="{AD74B992-9284-4491-B72C-78A29FE99840}"/>
+              </a:ext>
+            </a:extLst>
+          </p:cNvPr>
+          <p:cNvSpPr>
+            <a:spLocks noGrp="1"/>
+          </p:cNvSpPr>
+          <p:nvPr>
+            <p:ph idx="1"/>
+          </p:nvPr>
+        </p:nvSpPr>
+        <p:spPr/>
+        <p:txBody>
+          <a:bodyPr/>
+          <a:lstStyle/>
+          <a:p>
+            <a:pPr marL="0" indent="0">
+              <a:buNone/>
+            </a:pPr>
+            <a:r>
+              <a:rPr lang="fr-FR" dirty="0">
+                <a:hlinkClick r:id="rId2"/>
+              </a:rPr>
+              <a:t>https://www.youtube.com/watch?v=I4TOYp0_6lc</a:t>
+            </a:r>
+            <a:endParaRPr lang="fr-FR" dirty="0"/>
+          </a:p>
+          <a:p>
+            <a:pPr marL="0" indent="0">
+              <a:buNone/>
+            </a:pPr>
+            <a:endParaRPr lang="fr-FR" dirty="0"/>
+          </a:p>
+          <a:p>
+            <a:pPr marL="0" indent="0">
+              <a:buNone/>
+            </a:pPr>
+            <a:r>
+              <a:rPr lang="fr-FR" dirty="0"/>
+              <a:t>1min02 – 3min45</a:t>
+            </a:r>
+          </a:p>
+          <a:p>
+            <a:pPr marL="0" indent="0">
+              <a:buNone/>
+            </a:pPr>
+            <a:r>
+              <a:rPr lang="fr-FR" dirty="0"/>
+              <a:t>1 – </a:t>
+            </a:r>
+            <a:r>
+              <a:rPr lang="fr-FR" dirty="0" err="1"/>
+              <a:t>Factory</a:t>
+            </a:r>
+            <a:r>
+              <a:rPr lang="fr-FR" dirty="0"/>
+              <a:t> (1min02 – 2min17)</a:t>
+            </a:r>
+          </a:p>
+          <a:p>
+            <a:pPr marL="0" indent="0">
+              <a:buNone/>
+            </a:pPr>
+            <a:r>
+              <a:rPr lang="fr-FR" dirty="0"/>
+              <a:t>2 – Transport (2min17 – 2min30)</a:t>
+            </a:r>
+          </a:p>
+          <a:p>
+            <a:pPr marL="0" indent="0">
+              <a:buNone/>
+            </a:pPr>
+            <a:r>
+              <a:rPr lang="fr-FR" dirty="0"/>
+              <a:t>3 – End(2 min 30 – 3min 20)</a:t>
+            </a:r>
+          </a:p>
+          <a:p>
+            <a:pPr marL="0" indent="0">
+              <a:buNone/>
+            </a:pPr>
+            <a:r>
+              <a:rPr lang="fr-FR" dirty="0"/>
+              <a:t>4 – </a:t>
+            </a:r>
+            <a:r>
+              <a:rPr lang="fr-FR" dirty="0" err="1"/>
+              <a:t>Battlefield</a:t>
+            </a:r>
+            <a:r>
+              <a:rPr lang="fr-FR" dirty="0"/>
+              <a:t> (2min30 -3min 42)</a:t>
+            </a:r>
+          </a:p>
+          <a:p>
+            <a:pPr marL="0" indent="0">
+              <a:buNone/>
+            </a:pPr>
+            <a:r>
+              <a:rPr lang="fr-FR" dirty="0"/>
+              <a:t>5 – in the </a:t>
+            </a:r>
+            <a:r>
+              <a:rPr lang="fr-FR" dirty="0" err="1"/>
+              <a:t>head</a:t>
+            </a:r>
+            <a:r>
+              <a:rPr lang="fr-FR" dirty="0"/>
+              <a:t> (3min42 - 45) </a:t>
+            </a:r>
+          </a:p>
+          <a:p>
+            <a:pPr marL="0" indent="0">
+              <a:buNone/>
+            </a:pPr>
+            <a:endParaRPr lang="fr-FR" dirty="0"/>
+          </a:p>
+        </p:txBody>
+      </p:sp>
+    </p:spTree>
+    <p:extLst>
+      <p:ext uri="{BB962C8B-B14F-4D97-AF65-F5344CB8AC3E}">
+        <p14:creationId xmlns:p14="http://schemas.microsoft.com/office/powerpoint/2010/main" val="427569760"/>
       </p:ext>
     </p:extLst>
   </p:cSld>
